--- a/Lectures/Week02/Lecture03.pptx
+++ b/Lectures/Week02/Lecture03.pptx
@@ -4250,8 +4250,8 @@
           </a:prstGeom>
         </p:spPr>
       </p:pic>
-      <mc:AlternateContent xmlns:mc="http://schemas.openxmlformats.org/markup-compatibility/2006">
-        <mc:Choice xmlns:a14="http://schemas.microsoft.com/office/drawing/2010/main" Requires="a14">
+      <mc:AlternateContent xmlns:mc="http://schemas.openxmlformats.org/markup-compatibility/2006" xmlns:a14="http://schemas.microsoft.com/office/drawing/2010/main">
+        <mc:Choice Requires="a14">
           <p:sp>
             <p:nvSpPr>
               <p:cNvPr id="12291" name="Rectangle 3"/>
@@ -5118,7 +5118,7 @@
             </p:txBody>
           </p:sp>
         </mc:Choice>
-        <mc:Fallback>
+        <mc:Fallback xmlns="">
           <p:sp>
             <p:nvSpPr>
               <p:cNvPr id="12291" name="Rectangle 3"/>
@@ -8455,8 +8455,8 @@
           </a:p>
         </p:txBody>
       </p:sp>
-      <mc:AlternateContent xmlns:mc="http://schemas.openxmlformats.org/markup-compatibility/2006">
-        <mc:Choice xmlns:a14="http://schemas.microsoft.com/office/drawing/2010/main" Requires="a14">
+      <mc:AlternateContent xmlns:mc="http://schemas.openxmlformats.org/markup-compatibility/2006" xmlns:a14="http://schemas.microsoft.com/office/drawing/2010/main">
+        <mc:Choice Requires="a14">
           <p:sp>
             <p:nvSpPr>
               <p:cNvPr id="8" name="Content Placeholder 7">
@@ -9518,7 +9518,7 @@
             </p:txBody>
           </p:sp>
         </mc:Choice>
-        <mc:Fallback>
+        <mc:Fallback xmlns="">
           <p:sp>
             <p:nvSpPr>
               <p:cNvPr id="8" name="Content Placeholder 7">
@@ -9979,8 +9979,8 @@
           </a:p>
         </p:txBody>
       </p:sp>
-      <mc:AlternateContent xmlns:mc="http://schemas.openxmlformats.org/markup-compatibility/2006">
-        <mc:Choice xmlns:a14="http://schemas.microsoft.com/office/drawing/2010/main" Requires="a14">
+      <mc:AlternateContent xmlns:mc="http://schemas.openxmlformats.org/markup-compatibility/2006" xmlns:a14="http://schemas.microsoft.com/office/drawing/2010/main">
+        <mc:Choice Requires="a14">
           <p:sp>
             <p:nvSpPr>
               <p:cNvPr id="14339" name="Rectangle 3"/>
@@ -10468,7 +10468,7 @@
             </p:txBody>
           </p:sp>
         </mc:Choice>
-        <mc:Fallback>
+        <mc:Fallback xmlns="">
           <p:sp>
             <p:nvSpPr>
               <p:cNvPr id="14339" name="Rectangle 3"/>
@@ -17157,8 +17157,8 @@
           </a:p>
         </p:txBody>
       </p:sp>
-      <mc:AlternateContent xmlns:mc="http://schemas.openxmlformats.org/markup-compatibility/2006">
-        <mc:Choice xmlns:a14="http://schemas.microsoft.com/office/drawing/2010/main" Requires="a14">
+      <mc:AlternateContent xmlns:mc="http://schemas.openxmlformats.org/markup-compatibility/2006" xmlns:a14="http://schemas.microsoft.com/office/drawing/2010/main">
+        <mc:Choice Requires="a14">
           <p:sp>
             <p:nvSpPr>
               <p:cNvPr id="8" name="Content Placeholder 7">
@@ -17943,13 +17943,7 @@
                                 <a:rPr lang="en-US" b="0" i="1" smtClean="0">
                                   <a:latin typeface="Cambria Math" panose="02040503050406030204" pitchFamily="18" charset="0"/>
                                 </a:rPr>
-                                <m:t>|</m:t>
-                              </m:r>
-                              <m:r>
-                                <a:rPr lang="en-US" i="1">
-                                  <a:latin typeface="Cambria Math" panose="02040503050406030204" pitchFamily="18" charset="0"/>
-                                </a:rPr>
-                                <m:t> </m:t>
+                                <m:t>| </m:t>
                               </m:r>
                               <m:r>
                                 <a:rPr lang="en-US" b="0" i="1" smtClean="0">
@@ -17971,7 +17965,7 @@
             </p:txBody>
           </p:sp>
         </mc:Choice>
-        <mc:Fallback>
+        <mc:Fallback xmlns="">
           <p:sp>
             <p:nvSpPr>
               <p:cNvPr id="8" name="Content Placeholder 7">
@@ -20472,8 +20466,8 @@
           </a:p>
         </p:txBody>
       </p:sp>
-      <mc:AlternateContent xmlns:mc="http://schemas.openxmlformats.org/markup-compatibility/2006" xmlns:a14="http://schemas.microsoft.com/office/drawing/2010/main">
-        <mc:Choice Requires="a14">
+      <mc:AlternateContent xmlns:mc="http://schemas.openxmlformats.org/markup-compatibility/2006">
+        <mc:Choice xmlns:a14="http://schemas.microsoft.com/office/drawing/2010/main" Requires="a14">
           <p:sp>
             <p:nvSpPr>
               <p:cNvPr id="8" name="Content Placeholder 7">
@@ -20735,7 +20729,7 @@
                 </a:pPr>
                 <a:r>
                   <a:rPr lang="en-US" dirty="0"/>
-                  <a:t>This can happen only if</a:t>
+                  <a:t>This can happen if only if</a:t>
                 </a:r>
               </a:p>
               <a:p>
@@ -20806,7 +20800,181 @@
                 </a:pPr>
                 <a:r>
                   <a:rPr lang="en-US" dirty="0"/>
-                  <a:t>Assuming the integral and partial derivative operations commute, we arrive at the</a:t>
+                  <a:t>Assuming the integral and partial derivative operations commute, and noting that </a:t>
+                </a:r>
+                <a14:m>
+                  <m:oMath xmlns:m="http://schemas.openxmlformats.org/officeDocument/2006/math">
+                    <m:r>
+                      <a:rPr lang="en-US" i="1">
+                        <a:solidFill>
+                          <a:srgbClr val="C00000"/>
+                        </a:solidFill>
+                        <a:latin typeface="Cambria Math" panose="02040503050406030204" pitchFamily="18" charset="0"/>
+                        <a:ea typeface="Cambria Math" panose="02040503050406030204" pitchFamily="18" charset="0"/>
+                      </a:rPr>
+                      <m:t>ℒ</m:t>
+                    </m:r>
+                    <m:d>
+                      <m:dPr>
+                        <m:ctrlPr>
+                          <a:rPr lang="en-US" i="1">
+                            <a:solidFill>
+                              <a:srgbClr val="C00000"/>
+                            </a:solidFill>
+                            <a:latin typeface="Cambria Math" panose="02040503050406030204" pitchFamily="18" charset="0"/>
+                            <a:ea typeface="Cambria Math" panose="02040503050406030204" pitchFamily="18" charset="0"/>
+                          </a:rPr>
+                        </m:ctrlPr>
+                      </m:dPr>
+                      <m:e>
+                        <m:r>
+                          <a:rPr lang="en-US" i="1">
+                            <a:solidFill>
+                              <a:srgbClr val="C00000"/>
+                            </a:solidFill>
+                            <a:latin typeface="Cambria Math" panose="02040503050406030204" pitchFamily="18" charset="0"/>
+                            <a:ea typeface="Cambria Math" panose="02040503050406030204" pitchFamily="18" charset="0"/>
+                          </a:rPr>
+                          <m:t>𝑥</m:t>
+                        </m:r>
+                        <m:r>
+                          <a:rPr lang="en-US" i="1">
+                            <a:solidFill>
+                              <a:srgbClr val="C00000"/>
+                            </a:solidFill>
+                            <a:latin typeface="Cambria Math" panose="02040503050406030204" pitchFamily="18" charset="0"/>
+                            <a:ea typeface="Cambria Math" panose="02040503050406030204" pitchFamily="18" charset="0"/>
+                          </a:rPr>
+                          <m:t>, </m:t>
+                        </m:r>
+                        <m:r>
+                          <a:rPr lang="en-US" i="1">
+                            <a:solidFill>
+                              <a:srgbClr val="C00000"/>
+                            </a:solidFill>
+                            <a:latin typeface="Cambria Math" panose="02040503050406030204" pitchFamily="18" charset="0"/>
+                            <a:ea typeface="Cambria Math" panose="02040503050406030204" pitchFamily="18" charset="0"/>
+                          </a:rPr>
+                          <m:t>𝑓</m:t>
+                        </m:r>
+                      </m:e>
+                    </m:d>
+                    <m:r>
+                      <a:rPr lang="en-US" i="1">
+                        <a:latin typeface="Cambria Math" panose="02040503050406030204" pitchFamily="18" charset="0"/>
+                        <a:ea typeface="Cambria Math" panose="02040503050406030204" pitchFamily="18" charset="0"/>
+                      </a:rPr>
+                      <m:t>=</m:t>
+                    </m:r>
+                    <m:nary>
+                      <m:naryPr>
+                        <m:limLoc m:val="undOvr"/>
+                        <m:subHide m:val="on"/>
+                        <m:supHide m:val="on"/>
+                        <m:ctrlPr>
+                          <a:rPr lang="en-US" i="1">
+                            <a:latin typeface="Cambria Math" panose="02040503050406030204" pitchFamily="18" charset="0"/>
+                          </a:rPr>
+                        </m:ctrlPr>
+                      </m:naryPr>
+                      <m:sub/>
+                      <m:sup/>
+                      <m:e>
+                        <m:r>
+                          <a:rPr lang="en-US" i="1">
+                            <a:latin typeface="Cambria Math" panose="02040503050406030204" pitchFamily="18" charset="0"/>
+                          </a:rPr>
+                          <m:t>𝑑𝑦</m:t>
+                        </m:r>
+                        <m:r>
+                          <a:rPr lang="en-US" i="1">
+                            <a:latin typeface="Cambria Math" panose="02040503050406030204" pitchFamily="18" charset="0"/>
+                          </a:rPr>
+                          <m:t> </m:t>
+                        </m:r>
+                        <m:r>
+                          <a:rPr lang="en-US" i="1">
+                            <a:latin typeface="Cambria Math" panose="02040503050406030204" pitchFamily="18" charset="0"/>
+                          </a:rPr>
+                          <m:t>𝐿</m:t>
+                        </m:r>
+                        <m:d>
+                          <m:dPr>
+                            <m:ctrlPr>
+                              <a:rPr lang="en-US" i="1">
+                                <a:latin typeface="Cambria Math" panose="02040503050406030204" pitchFamily="18" charset="0"/>
+                              </a:rPr>
+                            </m:ctrlPr>
+                          </m:dPr>
+                          <m:e>
+                            <m:r>
+                              <a:rPr lang="en-US" i="1">
+                                <a:latin typeface="Cambria Math" panose="02040503050406030204" pitchFamily="18" charset="0"/>
+                              </a:rPr>
+                              <m:t>𝑦</m:t>
+                            </m:r>
+                            <m:r>
+                              <a:rPr lang="en-US" i="1">
+                                <a:latin typeface="Cambria Math" panose="02040503050406030204" pitchFamily="18" charset="0"/>
+                              </a:rPr>
+                              <m:t>, </m:t>
+                            </m:r>
+                            <m:r>
+                              <a:rPr lang="en-US" i="1">
+                                <a:latin typeface="Cambria Math" panose="02040503050406030204" pitchFamily="18" charset="0"/>
+                              </a:rPr>
+                              <m:t>𝑓</m:t>
+                            </m:r>
+                          </m:e>
+                        </m:d>
+                        <m:r>
+                          <a:rPr lang="en-US" i="1">
+                            <a:latin typeface="Cambria Math" panose="02040503050406030204" pitchFamily="18" charset="0"/>
+                          </a:rPr>
+                          <m:t> </m:t>
+                        </m:r>
+                        <m:r>
+                          <a:rPr lang="en-US" i="1">
+                            <a:latin typeface="Cambria Math" panose="02040503050406030204" pitchFamily="18" charset="0"/>
+                          </a:rPr>
+                          <m:t>𝑝</m:t>
+                        </m:r>
+                        <m:d>
+                          <m:dPr>
+                            <m:ctrlPr>
+                              <a:rPr lang="en-US" i="1">
+                                <a:latin typeface="Cambria Math" panose="02040503050406030204" pitchFamily="18" charset="0"/>
+                              </a:rPr>
+                            </m:ctrlPr>
+                          </m:dPr>
+                          <m:e>
+                            <m:r>
+                              <a:rPr lang="en-US" i="1">
+                                <a:latin typeface="Cambria Math" panose="02040503050406030204" pitchFamily="18" charset="0"/>
+                              </a:rPr>
+                              <m:t>𝑦</m:t>
+                            </m:r>
+                            <m:r>
+                              <a:rPr lang="en-US" i="1">
+                                <a:latin typeface="Cambria Math" panose="02040503050406030204" pitchFamily="18" charset="0"/>
+                              </a:rPr>
+                              <m:t>| </m:t>
+                            </m:r>
+                            <m:r>
+                              <a:rPr lang="en-US" i="1">
+                                <a:latin typeface="Cambria Math" panose="02040503050406030204" pitchFamily="18" charset="0"/>
+                              </a:rPr>
+                              <m:t>𝑥</m:t>
+                            </m:r>
+                          </m:e>
+                        </m:d>
+                      </m:e>
+                    </m:nary>
+                  </m:oMath>
+                </a14:m>
+                <a:r>
+                  <a:rPr lang="en-US" dirty="0"/>
+                  <a:t>, we arrive at the</a:t>
                 </a:r>
               </a:p>
               <a:p>
@@ -20862,7 +21030,7 @@
             </p:txBody>
           </p:sp>
         </mc:Choice>
-        <mc:Fallback xmlns="">
+        <mc:Fallback>
           <p:sp>
             <p:nvSpPr>
               <p:cNvPr id="8" name="Content Placeholder 7">
@@ -20887,7 +21055,7 @@
               <a:blipFill>
                 <a:blip r:embed="rId2"/>
                 <a:stretch>
-                  <a:fillRect l="-1305" t="-23421"/>
+                  <a:fillRect l="-1305" t="-23421" r="-1305" b="-3158"/>
                 </a:stretch>
               </a:blipFill>
             </p:spPr>
@@ -20906,8 +21074,8 @@
           </p:sp>
         </mc:Fallback>
       </mc:AlternateContent>
-      <mc:AlternateContent xmlns:mc="http://schemas.openxmlformats.org/markup-compatibility/2006" xmlns:a14="http://schemas.microsoft.com/office/drawing/2010/main">
-        <mc:Choice Requires="a14">
+      <mc:AlternateContent xmlns:mc="http://schemas.openxmlformats.org/markup-compatibility/2006">
+        <mc:Choice xmlns:a14="http://schemas.microsoft.com/office/drawing/2010/main" Requires="a14">
           <p:sp>
             <p:nvSpPr>
               <p:cNvPr id="4" name="TextBox 3">
@@ -20922,7 +21090,7 @@
             </p:nvSpPr>
             <p:spPr>
               <a:xfrm>
-                <a:off x="4600840" y="5032134"/>
+                <a:off x="4600840" y="5263669"/>
                 <a:ext cx="3019160" cy="1060931"/>
               </a:xfrm>
               <a:prstGeom prst="rect">
@@ -21071,7 +21239,7 @@
             </p:txBody>
           </p:sp>
         </mc:Choice>
-        <mc:Fallback xmlns="">
+        <mc:Fallback>
           <p:sp>
             <p:nvSpPr>
               <p:cNvPr id="4" name="TextBox 3">
@@ -21088,7 +21256,7 @@
             </p:nvSpPr>
             <p:spPr>
               <a:xfrm>
-                <a:off x="4600840" y="5032134"/>
+                <a:off x="4600840" y="5263669"/>
                 <a:ext cx="3019160" cy="1060931"/>
               </a:xfrm>
               <a:prstGeom prst="rect">

--- a/Lectures/Week02/Lecture03.pptx
+++ b/Lectures/Week02/Lecture03.pptx
@@ -4526,7 +4526,7 @@
                       <a:srgbClr val="000000"/>
                     </a:solidFill>
                   </a:rPr>
-                  <a:t> approximation to the gradient </a:t>
+                  <a:t> approximation of the gradient </a:t>
                 </a:r>
                 <a:br>
                   <a:rPr lang="en-US" dirty="0">
@@ -13543,8 +13543,8 @@
           </a:p>
         </p:txBody>
       </p:sp>
-      <mc:AlternateContent xmlns:mc="http://schemas.openxmlformats.org/markup-compatibility/2006" xmlns:a14="http://schemas.microsoft.com/office/drawing/2010/main">
-        <mc:Choice Requires="a14">
+      <mc:AlternateContent xmlns:mc="http://schemas.openxmlformats.org/markup-compatibility/2006">
+        <mc:Choice xmlns:a14="http://schemas.microsoft.com/office/drawing/2010/main" Requires="a14">
           <p:sp>
             <p:nvSpPr>
               <p:cNvPr id="8" name="Content Placeholder 7">
@@ -13570,9 +13570,10 @@
                   <a:buNone/>
                 </a:pPr>
                 <a:r>
-                  <a:rPr lang="en-US" b="1" dirty="0"/>
+                  <a:rPr lang="en-US" b="1"/>
                   <a:t>Supervised Learning</a:t>
                 </a:r>
+                <a:endParaRPr lang="en-US" b="1" dirty="0"/>
               </a:p>
               <a:p>
                 <a:r>
@@ -14326,7 +14327,7 @@
             </p:txBody>
           </p:sp>
         </mc:Choice>
-        <mc:Fallback xmlns="">
+        <mc:Fallback>
           <p:sp>
             <p:nvSpPr>
               <p:cNvPr id="8" name="Content Placeholder 7">
@@ -20466,8 +20467,8 @@
           </a:p>
         </p:txBody>
       </p:sp>
-      <mc:AlternateContent xmlns:mc="http://schemas.openxmlformats.org/markup-compatibility/2006">
-        <mc:Choice xmlns:a14="http://schemas.microsoft.com/office/drawing/2010/main" Requires="a14">
+      <mc:AlternateContent xmlns:mc="http://schemas.openxmlformats.org/markup-compatibility/2006" xmlns:a14="http://schemas.microsoft.com/office/drawing/2010/main">
+        <mc:Choice Requires="a14">
           <p:sp>
             <p:nvSpPr>
               <p:cNvPr id="8" name="Content Placeholder 7">
@@ -21030,7 +21031,7 @@
             </p:txBody>
           </p:sp>
         </mc:Choice>
-        <mc:Fallback>
+        <mc:Fallback xmlns="">
           <p:sp>
             <p:nvSpPr>
               <p:cNvPr id="8" name="Content Placeholder 7">
@@ -21074,8 +21075,8 @@
           </p:sp>
         </mc:Fallback>
       </mc:AlternateContent>
-      <mc:AlternateContent xmlns:mc="http://schemas.openxmlformats.org/markup-compatibility/2006">
-        <mc:Choice xmlns:a14="http://schemas.microsoft.com/office/drawing/2010/main" Requires="a14">
+      <mc:AlternateContent xmlns:mc="http://schemas.openxmlformats.org/markup-compatibility/2006" xmlns:a14="http://schemas.microsoft.com/office/drawing/2010/main">
+        <mc:Choice Requires="a14">
           <p:sp>
             <p:nvSpPr>
               <p:cNvPr id="4" name="TextBox 3">
@@ -21239,7 +21240,7 @@
             </p:txBody>
           </p:sp>
         </mc:Choice>
-        <mc:Fallback>
+        <mc:Fallback xmlns="">
           <p:sp>
             <p:nvSpPr>
               <p:cNvPr id="4" name="TextBox 3">
